--- a/Clase 2.pptx
+++ b/Clase 2.pptx
@@ -219,7 +219,7 @@
           <a:p>
             <a:fld id="{6D75194F-2CBD-487E-937E-372F803761BC}" type="datetimeFigureOut">
               <a:rPr lang="es-CR" smtClean="0"/>
-              <a:t>28/1/21</a:t>
+              <a:t>29/1/21</a:t>
             </a:fld>
             <a:endParaRPr lang="es-CR"/>
           </a:p>
@@ -680,7 +680,7 @@
           <a:p>
             <a:fld id="{07696E89-D1F6-4349-9501-76A218A7375F}" type="datetimeFigureOut">
               <a:rPr lang="es-CR" smtClean="0"/>
-              <a:t>28/1/21</a:t>
+              <a:t>29/1/21</a:t>
             </a:fld>
             <a:endParaRPr lang="es-CR"/>
           </a:p>
@@ -872,7 +872,7 @@
           <a:p>
             <a:fld id="{07696E89-D1F6-4349-9501-76A218A7375F}" type="datetimeFigureOut">
               <a:rPr lang="es-CR" smtClean="0"/>
-              <a:t>28/1/21</a:t>
+              <a:t>29/1/21</a:t>
             </a:fld>
             <a:endParaRPr lang="es-CR"/>
           </a:p>
@@ -1115,7 +1115,7 @@
           <a:p>
             <a:fld id="{07696E89-D1F6-4349-9501-76A218A7375F}" type="datetimeFigureOut">
               <a:rPr lang="es-CR" smtClean="0"/>
-              <a:t>28/1/21</a:t>
+              <a:t>29/1/21</a:t>
             </a:fld>
             <a:endParaRPr lang="es-CR"/>
           </a:p>
@@ -3889,8 +3889,8 @@
         </p:blipFill>
         <p:spPr>
           <a:xfrm>
-            <a:off x="1661448" y="1263650"/>
-            <a:ext cx="8915400" cy="4330700"/>
+            <a:off x="4058175" y="1332653"/>
+            <a:ext cx="7437334" cy="3612722"/>
           </a:xfrm>
           <a:prstGeom prst="rect">
             <a:avLst/>
@@ -3911,8 +3911,8 @@
         </p:nvSpPr>
         <p:spPr>
           <a:xfrm>
-            <a:off x="812105" y="1458408"/>
-            <a:ext cx="2185738" cy="523220"/>
+            <a:off x="3326203" y="4206191"/>
+            <a:ext cx="2185738" cy="461665"/>
           </a:xfrm>
           <a:prstGeom prst="rect">
             <a:avLst/>
@@ -3927,14 +3927,14 @@
           <a:p>
             <a:pPr algn="ctr"/>
             <a:r>
-              <a:rPr lang="es-CR" sz="2800" dirty="0">
+              <a:rPr lang="es-CR" sz="2400" dirty="0">
                 <a:solidFill>
                   <a:srgbClr val="FF0000"/>
                 </a:solidFill>
               </a:rPr>
               <a:t>Dimensiones:</a:t>
             </a:r>
-            <a:endParaRPr lang="es-CR" sz="2000" dirty="0">
+            <a:endParaRPr lang="es-CR" dirty="0">
               <a:solidFill>
                 <a:srgbClr val="FF0000"/>
               </a:solidFill>
@@ -3956,7 +3956,7 @@
         </p:nvSpPr>
         <p:spPr>
           <a:xfrm>
-            <a:off x="3630590" y="4544323"/>
+            <a:off x="5511941" y="4060847"/>
             <a:ext cx="2465408" cy="752355"/>
           </a:xfrm>
           <a:prstGeom prst="ellipse">
@@ -4010,7 +4010,7 @@
         </p:nvSpPr>
         <p:spPr>
           <a:xfrm>
-            <a:off x="7549343" y="4544323"/>
+            <a:off x="8673950" y="4060847"/>
             <a:ext cx="2465408" cy="752355"/>
           </a:xfrm>
           <a:prstGeom prst="ellipse">
@@ -4043,6 +4043,63 @@
           <a:p>
             <a:pPr algn="ctr"/>
             <a:endParaRPr lang="es-CR"/>
+          </a:p>
+        </p:txBody>
+      </p:sp>
+      <p:sp>
+        <p:nvSpPr>
+          <p:cNvPr id="2" name="Rectángulo 1">
+            <a:extLst>
+              <a:ext uri="{FF2B5EF4-FFF2-40B4-BE49-F238E27FC236}">
+                <a16:creationId xmlns:a16="http://schemas.microsoft.com/office/drawing/2014/main" id="{0079FBFE-AA20-CD47-9F35-85826F03FF06}"/>
+              </a:ext>
+            </a:extLst>
+          </p:cNvPr>
+          <p:cNvSpPr/>
+          <p:nvPr/>
+        </p:nvSpPr>
+        <p:spPr>
+          <a:xfrm>
+            <a:off x="696491" y="1332653"/>
+            <a:ext cx="3586127" cy="2862322"/>
+          </a:xfrm>
+          <a:prstGeom prst="rect">
+            <a:avLst/>
+          </a:prstGeom>
+        </p:spPr>
+        <p:txBody>
+          <a:bodyPr wrap="square">
+            <a:spAutoFit/>
+          </a:bodyPr>
+          <a:lstStyle/>
+          <a:p>
+            <a:r>
+              <a:rPr lang="es-CR" sz="2000" dirty="0"/>
+              <a:t>Para hablar del tamaño de una matriz, utilizamos la palabra dimensión que se refiere al numero de filas y columnas y se escribe de la siguiente forma: nxm.</a:t>
+            </a:r>
+          </a:p>
+          <a:p>
+            <a:endParaRPr lang="es-CR" sz="2000" dirty="0"/>
+          </a:p>
+          <a:p>
+            <a:pPr marL="285750" indent="-285750">
+              <a:buFont typeface="Arial" panose="020B0604020202020204" pitchFamily="34" charset="0"/>
+              <a:buChar char="•"/>
+            </a:pPr>
+            <a:r>
+              <a:rPr lang="es-CR" sz="2000" dirty="0"/>
+              <a:t>n filas</a:t>
+            </a:r>
+          </a:p>
+          <a:p>
+            <a:pPr marL="285750" indent="-285750">
+              <a:buFont typeface="Arial" panose="020B0604020202020204" pitchFamily="34" charset="0"/>
+              <a:buChar char="•"/>
+            </a:pPr>
+            <a:r>
+              <a:rPr lang="es-CR" sz="2000" dirty="0"/>
+              <a:t>m columnas</a:t>
+            </a:r>
           </a:p>
         </p:txBody>
       </p:sp>
